--- a/Session 01 - Developing for Power BI with .NET Core.pptx
+++ b/Session 01 - Developing for Power BI with .NET Core.pptx
@@ -338,7 +338,7 @@
               <a:rPr lang="en-US" smtClean="0">
                 <a:latin typeface="Segoe UI" pitchFamily="34" charset="0"/>
               </a:rPr>
-              <a:t>8/24/2020 8:07 AM</a:t>
+              <a:t>8/25/2020 5:25 PM</a:t>
             </a:fld>
             <a:endParaRPr lang="en-US">
               <a:latin typeface="Segoe UI" pitchFamily="34" charset="0"/>
@@ -616,7 +616,7 @@
           <a:p>
             <a:fld id="{DCE60099-03E7-4FA1-8A7F-E6E6CFB0F855}" type="datetime8">
               <a:rPr lang="en-US" smtClean="0"/>
-              <a:t>8/24/2020 8:04 AM</a:t>
+              <a:t>8/25/2020 5:25 PM</a:t>
             </a:fld>
             <a:endParaRPr lang="en-US"/>
           </a:p>
@@ -14258,7 +14258,7 @@
           <a:graphicData uri="http://schemas.openxmlformats.org/presentationml/2006/ole">
             <mc:AlternateContent xmlns:mc="http://schemas.openxmlformats.org/markup-compatibility/2006">
               <mc:Choice xmlns:v="urn:schemas-microsoft-com:vml" Requires="v">
-                <p:oleObj spid="_x0000_s2059" name="Visio" r:id="rId3" imgW="4038671" imgH="1531809" progId="Visio.Drawing.15">
+                <p:oleObj spid="_x0000_s2060" name="Visio" r:id="rId3" imgW="4038671" imgH="1531809" progId="Visio.Drawing.15">
                   <p:embed/>
                 </p:oleObj>
               </mc:Choice>
@@ -36560,6 +36560,15 @@
 </file>
 
 <file path=customXml/item1.xml><?xml version="1.0" encoding="utf-8"?>
+<?mso-contentType ?>
+<FormTemplates xmlns="http://schemas.microsoft.com/sharepoint/v3/contenttype/forms">
+  <Display>DocumentLibraryForm</Display>
+  <Edit>DocumentLibraryForm</Edit>
+  <New>DocumentLibraryForm</New>
+</FormTemplates>
+</file>
+
+<file path=customXml/item2.xml><?xml version="1.0" encoding="utf-8"?>
 <ct:contentTypeSchema xmlns:ct="http://schemas.microsoft.com/office/2006/metadata/contentType" xmlns:ma="http://schemas.microsoft.com/office/2006/metadata/properties/metaAttributes" ct:_="" ma:_="" ma:contentTypeName="Document" ma:contentTypeID="0x0101000937CBA2829AB54C847AA138BDB6DD62" ma:contentTypeVersion="6" ma:contentTypeDescription="Create a new document." ma:contentTypeScope="" ma:versionID="0f7e39fa3406a6f330081ac46f53a9d2">
   <xsd:schema xmlns:xsd="http://www.w3.org/2001/XMLSchema" xmlns:xs="http://www.w3.org/2001/XMLSchema" xmlns:p="http://schemas.microsoft.com/office/2006/metadata/properties" xmlns:ns2="ef38329b-e139-4eb4-9d7a-1b84c79a6610" targetNamespace="http://schemas.microsoft.com/office/2006/metadata/properties" ma:root="true" ma:fieldsID="c5e10262f8d934c139771ac03f38712c" ns2:_="">
     <xsd:import namespace="ef38329b-e139-4eb4-9d7a-1b84c79a6610"/>
@@ -36711,22 +36720,21 @@
 </ct:contentTypeSchema>
 </file>
 
-<file path=customXml/item2.xml><?xml version="1.0" encoding="utf-8"?>
+<file path=customXml/item3.xml><?xml version="1.0" encoding="utf-8"?>
 <p:properties xmlns:p="http://schemas.microsoft.com/office/2006/metadata/properties" xmlns:xsi="http://www.w3.org/2001/XMLSchema-instance" xmlns:pc="http://schemas.microsoft.com/office/infopath/2007/PartnerControls">
   <documentManagement/>
 </p:properties>
 </file>
 
-<file path=customXml/item3.xml><?xml version="1.0" encoding="utf-8"?>
-<?mso-contentType ?>
-<FormTemplates xmlns="http://schemas.microsoft.com/sharepoint/v3/contenttype/forms">
-  <Display>DocumentLibraryForm</Display>
-  <Edit>DocumentLibraryForm</Edit>
-  <New>DocumentLibraryForm</New>
-</FormTemplates>
+<file path=customXml/itemProps1.xml><?xml version="1.0" encoding="utf-8"?>
+<ds:datastoreItem xmlns:ds="http://schemas.openxmlformats.org/officeDocument/2006/customXml" ds:itemID="{758FDAC0-319D-4A54-8D8E-1D42CB1F8004}">
+  <ds:schemaRefs>
+    <ds:schemaRef ds:uri="http://schemas.microsoft.com/sharepoint/v3/contenttype/forms"/>
+  </ds:schemaRefs>
+</ds:datastoreItem>
 </file>
 
-<file path=customXml/itemProps1.xml><?xml version="1.0" encoding="utf-8"?>
+<file path=customXml/itemProps2.xml><?xml version="1.0" encoding="utf-8"?>
 <ds:datastoreItem xmlns:ds="http://schemas.openxmlformats.org/officeDocument/2006/customXml" ds:itemID="{A4052A8C-2220-4E4B-95E2-C05C9863F10E}">
   <ds:schemaRefs>
     <ds:schemaRef ds:uri="ef38329b-e139-4eb4-9d7a-1b84c79a6610"/>
@@ -36744,7 +36752,7 @@
 </ds:datastoreItem>
 </file>
 
-<file path=customXml/itemProps2.xml><?xml version="1.0" encoding="utf-8"?>
+<file path=customXml/itemProps3.xml><?xml version="1.0" encoding="utf-8"?>
 <ds:datastoreItem xmlns:ds="http://schemas.openxmlformats.org/officeDocument/2006/customXml" ds:itemID="{F990F116-B58F-4255-B05B-DA3808E0E5C6}">
   <ds:schemaRefs>
     <ds:schemaRef ds:uri="ef38329b-e139-4eb4-9d7a-1b84c79a6610"/>
@@ -36758,12 +36766,4 @@
     <ds:schemaRef ds:uri="http://www.w3.org/XML/1998/namespace"/>
   </ds:schemaRefs>
 </ds:datastoreItem>
-</file>
-
-<file path=customXml/itemProps3.xml><?xml version="1.0" encoding="utf-8"?>
-<ds:datastoreItem xmlns:ds="http://schemas.openxmlformats.org/officeDocument/2006/customXml" ds:itemID="{758FDAC0-319D-4A54-8D8E-1D42CB1F8004}">
-  <ds:schemaRefs>
-    <ds:schemaRef ds:uri="http://schemas.microsoft.com/sharepoint/v3/contenttype/forms"/>
-  </ds:schemaRefs>
-</ds:datastoreItem>
 </file>